--- a/Asteroid-Shooter.pptx
+++ b/Asteroid-Shooter.pptx
@@ -22,26 +22,26 @@
   <p:notesSz cx="8229600" cy="14630400"/>
   <p:embeddedFontLst>
     <p:embeddedFont>
-      <p:font typeface="Calibri" panose="020F0502020204030204" pitchFamily="34" charset="0"/>
+      <p:font typeface="PT Sans" panose="020B0604020202020204" charset="-52"/>
       <p:regular r:id="rId12"/>
-      <p:bold r:id="rId13"/>
-      <p:italic r:id="rId14"/>
-      <p:boldItalic r:id="rId15"/>
     </p:embeddedFont>
     <p:embeddedFont>
       <p:font typeface="Consolas" panose="020B0609020204030204" pitchFamily="49" charset="0"/>
-      <p:regular r:id="rId16"/>
-      <p:bold r:id="rId17"/>
-      <p:italic r:id="rId18"/>
-      <p:boldItalic r:id="rId19"/>
+      <p:regular r:id="rId13"/>
+      <p:bold r:id="rId14"/>
+      <p:italic r:id="rId15"/>
+      <p:boldItalic r:id="rId16"/>
     </p:embeddedFont>
     <p:embeddedFont>
       <p:font typeface="Nunito Semi Bold" panose="020B0604020202020204" charset="-52"/>
-      <p:regular r:id="rId20"/>
+      <p:regular r:id="rId17"/>
     </p:embeddedFont>
     <p:embeddedFont>
-      <p:font typeface="PT Sans" panose="020B0604020202020204" charset="-52"/>
-      <p:regular r:id="rId21"/>
+      <p:font typeface="Calibri" panose="020F0502020204030204" pitchFamily="34" charset="0"/>
+      <p:regular r:id="rId18"/>
+      <p:bold r:id="rId19"/>
+      <p:italic r:id="rId20"/>
+      <p:boldItalic r:id="rId21"/>
     </p:embeddedFont>
   </p:embeddedFontLst>
   <p:defaultTextStyle>
@@ -3041,6 +3041,29 @@
           </a:p>
         </p:txBody>
       </p:sp>
+      <p:pic>
+        <p:nvPicPr>
+          <p:cNvPr id="11" name="Рисунок 10"/>
+          <p:cNvPicPr>
+            <a:picLocks noChangeAspect="1"/>
+          </p:cNvPicPr>
+          <p:nvPr/>
+        </p:nvPicPr>
+        <p:blipFill rotWithShape="1">
+          <a:blip r:embed="rId3"/>
+          <a:srcRect l="943" t="32877"/>
+          <a:stretch/>
+        </p:blipFill>
+        <p:spPr>
+          <a:xfrm>
+            <a:off x="19878" y="-1"/>
+            <a:ext cx="14610522" cy="2450187"/>
+          </a:xfrm>
+          <a:prstGeom prst="rect">
+            <a:avLst/>
+          </a:prstGeom>
+        </p:spPr>
+      </p:pic>
     </p:spTree>
   </p:cSld>
   <p:clrMapOvr>
@@ -3557,6 +3580,30 @@
           </a:p>
         </p:txBody>
       </p:sp>
+      <p:pic>
+        <p:nvPicPr>
+          <p:cNvPr id="6" name="Рисунок 5"/>
+          <p:cNvPicPr>
+            <a:picLocks noChangeAspect="1"/>
+          </p:cNvPicPr>
+          <p:nvPr/>
+        </p:nvPicPr>
+        <p:blipFill>
+          <a:blip r:embed="rId3"/>
+          <a:stretch>
+            <a:fillRect/>
+          </a:stretch>
+        </p:blipFill>
+        <p:spPr>
+          <a:xfrm>
+            <a:off x="10051613" y="0"/>
+            <a:ext cx="4578788" cy="3740706"/>
+          </a:xfrm>
+          <a:prstGeom prst="rect">
+            <a:avLst/>
+          </a:prstGeom>
+        </p:spPr>
+      </p:pic>
     </p:spTree>
   </p:cSld>
   <p:clrMapOvr>
@@ -5880,6 +5927,30 @@
           </a:p>
         </p:txBody>
       </p:sp>
+      <p:pic>
+        <p:nvPicPr>
+          <p:cNvPr id="7" name="Рисунок 6"/>
+          <p:cNvPicPr>
+            <a:picLocks noChangeAspect="1"/>
+          </p:cNvPicPr>
+          <p:nvPr/>
+        </p:nvPicPr>
+        <p:blipFill>
+          <a:blip r:embed="rId3"/>
+          <a:stretch>
+            <a:fillRect/>
+          </a:stretch>
+        </p:blipFill>
+        <p:spPr>
+          <a:xfrm>
+            <a:off x="8147050" y="0"/>
+            <a:ext cx="6492757" cy="8229600"/>
+          </a:xfrm>
+          <a:prstGeom prst="rect">
+            <a:avLst/>
+          </a:prstGeom>
+        </p:spPr>
+      </p:pic>
     </p:spTree>
   </p:cSld>
   <p:clrMapOvr>

--- a/Asteroid-Shooter.pptx
+++ b/Asteroid-Shooter.pptx
@@ -22,19 +22,19 @@
   <p:notesSz cx="8229600" cy="14630400"/>
   <p:embeddedFontLst>
     <p:embeddedFont>
-      <p:font typeface="PT Sans" panose="020B0604020202020204" charset="-52"/>
+      <p:font typeface="Nunito Semi Bold" panose="020B0604020202020204" charset="-52"/>
       <p:regular r:id="rId12"/>
     </p:embeddedFont>
     <p:embeddedFont>
-      <p:font typeface="Consolas" panose="020B0609020204030204" pitchFamily="49" charset="0"/>
+      <p:font typeface="PT Sans" panose="020B0604020202020204" charset="-52"/>
       <p:regular r:id="rId13"/>
-      <p:bold r:id="rId14"/>
-      <p:italic r:id="rId15"/>
-      <p:boldItalic r:id="rId16"/>
     </p:embeddedFont>
     <p:embeddedFont>
-      <p:font typeface="Nunito Semi Bold" panose="020B0604020202020204" charset="-52"/>
-      <p:regular r:id="rId17"/>
+      <p:font typeface="Consolas" panose="020B0609020204030204" pitchFamily="49" charset="0"/>
+      <p:regular r:id="rId14"/>
+      <p:bold r:id="rId15"/>
+      <p:italic r:id="rId16"/>
+      <p:boldItalic r:id="rId17"/>
     </p:embeddedFont>
     <p:embeddedFont>
       <p:font typeface="Calibri" panose="020F0502020204030204" pitchFamily="34" charset="0"/>
@@ -2501,10 +2501,10 @@
                 <a:ea typeface="PT Sans" pitchFamily="34" charset="-122"/>
                 <a:cs typeface="PT Sans" pitchFamily="34" charset="-120"/>
               </a:rPr>
-              <a:t>Интерактивная игра в жанре космического шутера с физикой движения, камерой, уровнями и системой </a:t>
-            </a:r>
-            <a:r>
-              <a:rPr lang="en-US" sz="1850" dirty="0" err="1">
+              <a:t>Интерактивная игра в жанре космического шутера с физикой движения, </a:t>
+            </a:r>
+            <a:r>
+              <a:rPr lang="en-US" sz="1850" dirty="0" err="1" smtClean="0">
                 <a:solidFill>
                   <a:srgbClr val="FFFFFF"/>
                 </a:solidFill>
@@ -2512,10 +2512,10 @@
                 <a:ea typeface="PT Sans" pitchFamily="34" charset="-122"/>
                 <a:cs typeface="PT Sans" pitchFamily="34" charset="-120"/>
               </a:rPr>
-              <a:t>усилений</a:t>
-            </a:r>
-            <a:r>
-              <a:rPr lang="en-US" sz="1850" dirty="0">
+              <a:t>камерой</a:t>
+            </a:r>
+            <a:r>
+              <a:rPr lang="ru-RU" sz="1850" dirty="0" smtClean="0">
                 <a:solidFill>
                   <a:srgbClr val="FFFFFF"/>
                 </a:solidFill>
@@ -2523,8 +2523,49 @@
                 <a:ea typeface="PT Sans" pitchFamily="34" charset="-122"/>
                 <a:cs typeface="PT Sans" pitchFamily="34" charset="-120"/>
               </a:rPr>
+              <a:t> и</a:t>
+            </a:r>
+            <a:r>
+              <a:rPr lang="en-US" sz="1850" dirty="0" smtClean="0">
+                <a:solidFill>
+                  <a:srgbClr val="FFFFFF"/>
+                </a:solidFill>
+                <a:latin typeface="PT Sans" pitchFamily="34" charset="0"/>
+                <a:ea typeface="PT Sans" pitchFamily="34" charset="-122"/>
+                <a:cs typeface="PT Sans" pitchFamily="34" charset="-120"/>
+              </a:rPr>
+              <a:t> </a:t>
+            </a:r>
+            <a:r>
+              <a:rPr lang="en-US" sz="1850" dirty="0" err="1" smtClean="0">
+                <a:solidFill>
+                  <a:srgbClr val="FFFFFF"/>
+                </a:solidFill>
+                <a:latin typeface="PT Sans" pitchFamily="34" charset="0"/>
+                <a:ea typeface="PT Sans" pitchFamily="34" charset="-122"/>
+                <a:cs typeface="PT Sans" pitchFamily="34" charset="-120"/>
+              </a:rPr>
+              <a:t>уровнями</a:t>
+            </a:r>
+            <a:r>
+              <a:rPr lang="en-US" sz="1850" dirty="0" smtClean="0">
+                <a:solidFill>
+                  <a:srgbClr val="FFFFFF"/>
+                </a:solidFill>
+                <a:latin typeface="PT Sans" pitchFamily="34" charset="0"/>
+                <a:ea typeface="PT Sans" pitchFamily="34" charset="-122"/>
+                <a:cs typeface="PT Sans" pitchFamily="34" charset="-120"/>
+              </a:rPr>
               <a:t>.</a:t>
             </a:r>
+            <a:endParaRPr lang="en-US" sz="1850" dirty="0">
+              <a:solidFill>
+                <a:srgbClr val="FFFFFF"/>
+              </a:solidFill>
+              <a:latin typeface="PT Sans" pitchFamily="34" charset="0"/>
+              <a:ea typeface="PT Sans" pitchFamily="34" charset="-122"/>
+              <a:cs typeface="PT Sans" pitchFamily="34" charset="-120"/>
+            </a:endParaRPr>
           </a:p>
           <a:p>
             <a:pPr marL="0" indent="0" algn="l">
